--- a/ppt/Presentation.pptx
+++ b/ppt/Presentation.pptx
@@ -13,7 +13,6 @@
     <p:sldId id="258" r:id="rId7"/>
     <p:sldId id="261" r:id="rId8"/>
     <p:sldId id="262" r:id="rId9"/>
-    <p:sldId id="264" r:id="rId10"/>
   </p:sldIdLst>
   <p:sldSz cx="12192000" cy="6858000"/>
   <p:notesSz cx="6858000" cy="9144000"/>
@@ -112,6 +111,11 @@
       </a:defRPr>
     </a:lvl9pPr>
   </p:defaultTextStyle>
+  <p:extLst>
+    <p:ext uri="{EFAFB233-063F-42B5-8137-9DF3F51BA10A}">
+      <p15:sldGuideLst xmlns:p15="http://schemas.microsoft.com/office/powerpoint/2012/main"/>
+    </p:ext>
+  </p:extLst>
 </p:presentation>
 </file>
 
@@ -6107,6 +6111,10 @@
           <a:bodyPr/>
           <a:lstStyle/>
           <a:p>
+            <a:r>
+              <a:rPr lang="en-US" dirty="0" smtClean="0"/>
+              <a:t>League of Legends AI </a:t>
+            </a:r>
             <a:endParaRPr lang="en-US" dirty="0"/>
           </a:p>
         </p:txBody>
@@ -6126,7 +6134,43 @@
           <a:bodyPr/>
           <a:lstStyle/>
           <a:p>
-            <a:endParaRPr lang="en-US"/>
+            <a:r>
+              <a:rPr lang="en-US" dirty="0" err="1" smtClean="0"/>
+              <a:t>MattHew</a:t>
+            </a:r>
+            <a:r>
+              <a:rPr lang="en-US" dirty="0" smtClean="0"/>
+              <a:t> </a:t>
+            </a:r>
+            <a:r>
+              <a:rPr lang="en-US" dirty="0" err="1" smtClean="0"/>
+              <a:t>FreNCH</a:t>
+            </a:r>
+            <a:r>
+              <a:rPr lang="en-US" dirty="0" smtClean="0"/>
+              <a:t>, </a:t>
+            </a:r>
+            <a:r>
+              <a:rPr lang="en-US" dirty="0" err="1" smtClean="0"/>
+              <a:t>EriC</a:t>
+            </a:r>
+            <a:r>
+              <a:rPr lang="en-US" dirty="0" smtClean="0"/>
+              <a:t> JOHNSON, </a:t>
+            </a:r>
+            <a:r>
+              <a:rPr lang="en-US" dirty="0" err="1" smtClean="0"/>
+              <a:t>Nawavi</a:t>
+            </a:r>
+            <a:r>
+              <a:rPr lang="en-US" dirty="0" smtClean="0"/>
+              <a:t> </a:t>
+            </a:r>
+            <a:r>
+              <a:rPr lang="en-US" dirty="0" err="1" smtClean="0"/>
+              <a:t>Naleem</a:t>
+            </a:r>
+            <a:endParaRPr lang="en-US" dirty="0"/>
           </a:p>
         </p:txBody>
       </p:sp>
@@ -6346,6 +6390,13 @@
   <p:clrMapOvr>
     <a:masterClrMapping/>
   </p:clrMapOvr>
+  <p:timing>
+    <p:tnLst>
+      <p:par>
+        <p:cTn id="1" dur="indefinite" restart="never" nodeType="tmRoot"/>
+      </p:par>
+    </p:tnLst>
+  </p:timing>
 </p:sld>
 </file>
 
@@ -6512,6 +6563,13 @@
   <p:clrMapOvr>
     <a:masterClrMapping/>
   </p:clrMapOvr>
+  <p:timing>
+    <p:tnLst>
+      <p:par>
+        <p:cTn id="1" dur="indefinite" restart="never" nodeType="tmRoot"/>
+      </p:par>
+    </p:tnLst>
+  </p:timing>
 </p:sld>
 </file>
 
@@ -6727,6 +6785,13 @@
   <p:clrMapOvr>
     <a:masterClrMapping/>
   </p:clrMapOvr>
+  <p:timing>
+    <p:tnLst>
+      <p:par>
+        <p:cTn id="1" dur="indefinite" restart="never" nodeType="tmRoot"/>
+      </p:par>
+    </p:tnLst>
+  </p:timing>
 </p:sld>
 </file>
 
@@ -7067,6 +7132,13 @@
   <p:clrMapOvr>
     <a:masterClrMapping/>
   </p:clrMapOvr>
+  <p:timing>
+    <p:tnLst>
+      <p:par>
+        <p:cTn id="1" dur="indefinite" restart="never" nodeType="tmRoot"/>
+      </p:par>
+    </p:tnLst>
+  </p:timing>
 </p:sld>
 </file>
 
@@ -7104,7 +7176,11 @@
           <a:p>
             <a:r>
               <a:rPr lang="en-US" dirty="0" smtClean="0"/>
-              <a:t>Results</a:t>
+              <a:t>Benchm</a:t>
+            </a:r>
+            <a:r>
+              <a:rPr lang="en-US" dirty="0" smtClean="0"/>
+              <a:t>ark Results &amp; Overview</a:t>
             </a:r>
             <a:endParaRPr lang="en-US" dirty="0"/>
           </a:p>
@@ -7125,7 +7201,11 @@
           <a:bodyPr/>
           <a:lstStyle/>
           <a:p>
-            <a:endParaRPr lang="en-US"/>
+            <a:r>
+              <a:rPr lang="en-US" dirty="0" smtClean="0"/>
+              <a:t>Beginning</a:t>
+            </a:r>
+            <a:endParaRPr lang="en-US" dirty="0"/>
           </a:p>
         </p:txBody>
       </p:sp>
@@ -7144,7 +7224,15 @@
           <a:bodyPr/>
           <a:lstStyle/>
           <a:p>
-            <a:endParaRPr lang="en-US"/>
+            <a:r>
+              <a:rPr lang="en-US" dirty="0" smtClean="0"/>
+              <a:t>One </a:t>
+            </a:r>
+            <a:r>
+              <a:rPr lang="en-US" dirty="0" smtClean="0"/>
+              <a:t>second</a:t>
+            </a:r>
+            <a:endParaRPr lang="en-US" dirty="0"/>
           </a:p>
         </p:txBody>
       </p:sp>
@@ -7158,12 +7246,21 @@
             <p:ph type="body" sz="quarter" idx="3"/>
           </p:nvPr>
         </p:nvSpPr>
-        <p:spPr/>
-        <p:txBody>
-          <a:bodyPr/>
-          <a:lstStyle/>
-          <a:p>
-            <a:endParaRPr lang="en-US"/>
+        <p:spPr>
+          <a:xfrm>
+            <a:off x="5883154" y="2069392"/>
+            <a:ext cx="4864491" cy="679994"/>
+          </a:xfrm>
+        </p:spPr>
+        <p:txBody>
+          <a:bodyPr/>
+          <a:lstStyle/>
+          <a:p>
+            <a:r>
+              <a:rPr lang="en-US" dirty="0" smtClean="0"/>
+              <a:t>After parallelism</a:t>
+            </a:r>
+            <a:endParaRPr lang="en-US" dirty="0"/>
           </a:p>
         </p:txBody>
       </p:sp>
@@ -7177,12 +7274,21 @@
             <p:ph sz="quarter" idx="14"/>
           </p:nvPr>
         </p:nvSpPr>
-        <p:spPr/>
-        <p:txBody>
-          <a:bodyPr/>
-          <a:lstStyle/>
-          <a:p>
-            <a:endParaRPr lang="en-US"/>
+        <p:spPr>
+          <a:xfrm>
+            <a:off x="5991795" y="2840152"/>
+            <a:ext cx="5088713" cy="2512852"/>
+          </a:xfrm>
+        </p:spPr>
+        <p:txBody>
+          <a:bodyPr/>
+          <a:lstStyle/>
+          <a:p>
+            <a:r>
+              <a:rPr lang="en-US" dirty="0" smtClean="0"/>
+              <a:t>0.001 seconds</a:t>
+            </a:r>
+            <a:endParaRPr lang="en-US" dirty="0"/>
           </a:p>
         </p:txBody>
       </p:sp>
@@ -7196,131 +7302,13 @@
   <p:clrMapOvr>
     <a:masterClrMapping/>
   </p:clrMapOvr>
-</p:sld>
-</file>
-
-<file path=ppt/slides/slide9.xml><?xml version="1.0" encoding="utf-8"?>
-<p:sld xmlns:a="http://schemas.openxmlformats.org/drawingml/2006/main" xmlns:r="http://schemas.openxmlformats.org/officeDocument/2006/relationships" xmlns:p="http://schemas.openxmlformats.org/presentationml/2006/main">
-  <p:cSld>
-    <p:spTree>
-      <p:nvGrpSpPr>
-        <p:cNvPr id="1" name=""/>
-        <p:cNvGrpSpPr/>
-        <p:nvPr/>
-      </p:nvGrpSpPr>
-      <p:grpSpPr>
-        <a:xfrm>
-          <a:off x="0" y="0"/>
-          <a:ext cx="0" cy="0"/>
-          <a:chOff x="0" y="0"/>
-          <a:chExt cx="0" cy="0"/>
-        </a:xfrm>
-      </p:grpSpPr>
-      <p:sp>
-        <p:nvSpPr>
-          <p:cNvPr id="2" name="Title 1"/>
-          <p:cNvSpPr>
-            <a:spLocks noGrp="1"/>
-          </p:cNvSpPr>
-          <p:nvPr>
-            <p:ph type="title"/>
-          </p:nvPr>
-        </p:nvSpPr>
-        <p:spPr/>
-        <p:txBody>
-          <a:bodyPr/>
-          <a:lstStyle/>
-          <a:p>
-            <a:endParaRPr lang="en-US"/>
-          </a:p>
-        </p:txBody>
-      </p:sp>
-      <p:sp>
-        <p:nvSpPr>
-          <p:cNvPr id="3" name="Text Placeholder 2"/>
-          <p:cNvSpPr>
-            <a:spLocks noGrp="1"/>
-          </p:cNvSpPr>
-          <p:nvPr>
-            <p:ph type="body" idx="1"/>
-          </p:nvPr>
-        </p:nvSpPr>
-        <p:spPr/>
-        <p:txBody>
-          <a:bodyPr/>
-          <a:lstStyle/>
-          <a:p>
-            <a:endParaRPr lang="en-US"/>
-          </a:p>
-        </p:txBody>
-      </p:sp>
-      <p:sp>
-        <p:nvSpPr>
-          <p:cNvPr id="4" name="Content Placeholder 3"/>
-          <p:cNvSpPr>
-            <a:spLocks noGrp="1"/>
-          </p:cNvSpPr>
-          <p:nvPr>
-            <p:ph sz="quarter" idx="13"/>
-          </p:nvPr>
-        </p:nvSpPr>
-        <p:spPr/>
-        <p:txBody>
-          <a:bodyPr/>
-          <a:lstStyle/>
-          <a:p>
-            <a:endParaRPr lang="en-US"/>
-          </a:p>
-        </p:txBody>
-      </p:sp>
-      <p:sp>
-        <p:nvSpPr>
-          <p:cNvPr id="5" name="Text Placeholder 4"/>
-          <p:cNvSpPr>
-            <a:spLocks noGrp="1"/>
-          </p:cNvSpPr>
-          <p:nvPr>
-            <p:ph type="body" sz="quarter" idx="3"/>
-          </p:nvPr>
-        </p:nvSpPr>
-        <p:spPr/>
-        <p:txBody>
-          <a:bodyPr/>
-          <a:lstStyle/>
-          <a:p>
-            <a:endParaRPr lang="en-US"/>
-          </a:p>
-        </p:txBody>
-      </p:sp>
-      <p:sp>
-        <p:nvSpPr>
-          <p:cNvPr id="6" name="Content Placeholder 5"/>
-          <p:cNvSpPr>
-            <a:spLocks noGrp="1"/>
-          </p:cNvSpPr>
-          <p:nvPr>
-            <p:ph sz="quarter" idx="14"/>
-          </p:nvPr>
-        </p:nvSpPr>
-        <p:spPr/>
-        <p:txBody>
-          <a:bodyPr/>
-          <a:lstStyle/>
-          <a:p>
-            <a:endParaRPr lang="en-US"/>
-          </a:p>
-        </p:txBody>
-      </p:sp>
-    </p:spTree>
-    <p:extLst>
-      <p:ext uri="{BB962C8B-B14F-4D97-AF65-F5344CB8AC3E}">
-        <p14:creationId xmlns:p14="http://schemas.microsoft.com/office/powerpoint/2010/main" val="865365610"/>
-      </p:ext>
-    </p:extLst>
-  </p:cSld>
-  <p:clrMapOvr>
-    <a:masterClrMapping/>
-  </p:clrMapOvr>
+  <p:timing>
+    <p:tnLst>
+      <p:par>
+        <p:cTn id="1" dur="indefinite" restart="never" nodeType="tmRoot"/>
+      </p:par>
+    </p:tnLst>
+  </p:timing>
 </p:sld>
 </file>
 
